--- a/Presentation/MDSD_Bittner_Embedded.pptx
+++ b/Presentation/MDSD_Bittner_Embedded.pptx
@@ -842,15 +842,48 @@
         <p:txBody>
           <a:bodyPr/>
           <a:lstStyle>
-            <a:lvl1pPr>
-              <a:defRPr/>
+            <a:lvl1pPr marL="0" marR="0" indent="0" algn="l" defTabSz="914400" rtl="0" eaLnBrk="1" fontAlgn="base" latinLnBrk="0" hangingPunct="1">
+              <a:lnSpc>
+                <a:spcPct val="100000"/>
+              </a:lnSpc>
+              <a:spcBef>
+                <a:spcPct val="20000"/>
+              </a:spcBef>
+              <a:spcAft>
+                <a:spcPct val="0"/>
+              </a:spcAft>
+              <a:buClrTx/>
+              <a:buSzTx/>
+              <a:buFontTx/>
+              <a:buNone/>
+              <a:tabLst/>
+              <a:defRPr baseline="0"/>
             </a:lvl1pPr>
           </a:lstStyle>
           <a:p>
+            <a:pPr marL="0" marR="0" lvl="0" indent="0" algn="l" defTabSz="914400" rtl="0" eaLnBrk="1" fontAlgn="base" latinLnBrk="0" hangingPunct="1">
+              <a:lnSpc>
+                <a:spcPct val="100000"/>
+              </a:lnSpc>
+              <a:spcBef>
+                <a:spcPct val="20000"/>
+              </a:spcBef>
+              <a:spcAft>
+                <a:spcPct val="0"/>
+              </a:spcAft>
+              <a:buClrTx/>
+              <a:buSzTx/>
+              <a:buFontTx/>
+              <a:buNone/>
+              <a:tabLst/>
+              <a:defRPr/>
+            </a:pPr>
             <a:r>
               <a:rPr lang="de-DE" dirty="0" smtClean="0"/>
-              <a:t>Vorname, Nachname der Referentin/des Referenten, Datum</a:t>
-            </a:r>
+              <a:t>Paul Maximilian Bittner, 31/01/2019</a:t>
+            </a:r>
+          </a:p>
+          <a:p>
             <a:endParaRPr lang="de-DE" dirty="0"/>
           </a:p>
         </p:txBody>
@@ -914,6 +947,13 @@
   <p:clrMapOvr>
     <a:masterClrMapping/>
   </p:clrMapOvr>
+  <p:timing>
+    <p:tnLst>
+      <p:par>
+        <p:cTn id="1" dur="indefinite" restart="never" nodeType="tmRoot"/>
+      </p:par>
+    </p:tnLst>
+  </p:timing>
 </p:sldLayout>
 </file>
 
@@ -1112,6 +1152,13 @@
   <p:clrMapOvr>
     <a:masterClrMapping/>
   </p:clrMapOvr>
+  <p:timing>
+    <p:tnLst>
+      <p:par>
+        <p:cTn id="1" dur="indefinite" restart="never" nodeType="tmRoot"/>
+      </p:par>
+    </p:tnLst>
+  </p:timing>
 </p:sldLayout>
 </file>
 
@@ -1379,6 +1426,13 @@
   <p:clrMapOvr>
     <a:masterClrMapping/>
   </p:clrMapOvr>
+  <p:timing>
+    <p:tnLst>
+      <p:par>
+        <p:cTn id="1" dur="indefinite" restart="never" nodeType="tmRoot"/>
+      </p:par>
+    </p:tnLst>
+  </p:timing>
 </p:sldLayout>
 </file>
 
@@ -2220,6 +2274,13 @@
   <p:clrMapOvr>
     <a:masterClrMapping/>
   </p:clrMapOvr>
+  <p:timing>
+    <p:tnLst>
+      <p:par>
+        <p:cTn id="1" dur="indefinite" restart="never" nodeType="tmRoot"/>
+      </p:par>
+    </p:tnLst>
+  </p:timing>
 </p:sldLayout>
 </file>
 
@@ -2387,6 +2448,13 @@
   <p:clrMapOvr>
     <a:masterClrMapping/>
   </p:clrMapOvr>
+  <p:timing>
+    <p:tnLst>
+      <p:par>
+        <p:cTn id="1" dur="indefinite" restart="never" nodeType="tmRoot"/>
+      </p:par>
+    </p:tnLst>
+  </p:timing>
 </p:sldLayout>
 </file>
 
@@ -2435,6 +2503,13 @@
   <p:clrMapOvr>
     <a:masterClrMapping/>
   </p:clrMapOvr>
+  <p:timing>
+    <p:tnLst>
+      <p:par>
+        <p:cTn id="1" dur="indefinite" restart="never" nodeType="tmRoot"/>
+      </p:par>
+    </p:tnLst>
+  </p:timing>
 </p:sldLayout>
 </file>
 
@@ -2516,6 +2591,13 @@
   <p:clrMapOvr>
     <a:masterClrMapping/>
   </p:clrMapOvr>
+  <p:timing>
+    <p:tnLst>
+      <p:par>
+        <p:cTn id="1" dur="indefinite" restart="never" nodeType="tmRoot"/>
+      </p:par>
+    </p:tnLst>
+  </p:timing>
 </p:sldLayout>
 </file>
 
@@ -2666,6 +2748,13 @@
   <p:clrMapOvr>
     <a:masterClrMapping/>
   </p:clrMapOvr>
+  <p:timing>
+    <p:tnLst>
+      <p:par>
+        <p:cTn id="1" dur="indefinite" restart="never" nodeType="tmRoot"/>
+      </p:par>
+    </p:tnLst>
+  </p:timing>
 </p:sldLayout>
 </file>
 
@@ -2966,6 +3055,13 @@
   <p:clrMapOvr>
     <a:masterClrMapping/>
   </p:clrMapOvr>
+  <p:timing>
+    <p:tnLst>
+      <p:par>
+        <p:cTn id="1" dur="indefinite" restart="never" nodeType="tmRoot"/>
+      </p:par>
+    </p:tnLst>
+  </p:timing>
 </p:sldLayout>
 </file>
 
@@ -3092,6 +3188,13 @@
   <p:clrMapOvr>
     <a:masterClrMapping/>
   </p:clrMapOvr>
+  <p:timing>
+    <p:tnLst>
+      <p:par>
+        <p:cTn id="1" dur="indefinite" restart="never" nodeType="tmRoot"/>
+      </p:par>
+    </p:tnLst>
+  </p:timing>
 </p:sldLayout>
 </file>
 
@@ -3342,7 +3445,23 @@
             </a:pPr>
             <a:r>
               <a:rPr lang="de-DE" sz="800" dirty="0" smtClean="0"/>
-              <a:t>Datum | Referent/in | Kurztitel der Präsentation (bitte im Master einfügen) | Seite</a:t>
+              <a:t>31/01/2019 </a:t>
+            </a:r>
+            <a:r>
+              <a:rPr lang="de-DE" sz="800" dirty="0" smtClean="0"/>
+              <a:t>| </a:t>
+            </a:r>
+            <a:r>
+              <a:rPr lang="de-DE" sz="800" dirty="0" smtClean="0"/>
+              <a:t>Paul Maximilian Bittner | Lab on MDSD: MIL </a:t>
+            </a:r>
+            <a:r>
+              <a:rPr lang="de-DE" sz="800" dirty="0" err="1" smtClean="0"/>
+              <a:t>for</a:t>
+            </a:r>
+            <a:r>
+              <a:rPr lang="de-DE" sz="800" dirty="0" smtClean="0"/>
+              <a:t> Embedded Devices | Page</a:t>
             </a:r>
             <a:r>
               <a:rPr lang="de-DE" sz="800" baseline="0" dirty="0" smtClean="0"/>
@@ -3395,6 +3514,13 @@
     <p:sldLayoutId id="2147483666" r:id="rId13"/>
     <p:sldLayoutId id="2147483650" r:id="rId14"/>
   </p:sldLayoutIdLst>
+  <p:timing>
+    <p:tnLst>
+      <p:par>
+        <p:cTn id="1" dur="indefinite" restart="never" nodeType="tmRoot"/>
+      </p:par>
+    </p:tnLst>
+  </p:timing>
   <p:hf sldNum="0" hdr="0" ftr="0" dt="0"/>
   <p:txStyles>
     <p:titleStyle>
@@ -3816,10 +3942,6 @@
           <a:bodyPr/>
           <a:lstStyle/>
           <a:p>
-            <a:r>
-              <a:rPr lang="de-DE" dirty="0" smtClean="0"/>
-              <a:t>Bittner, Paul Maximilian</a:t>
-            </a:r>
             <a:endParaRPr lang="de-DE" dirty="0"/>
           </a:p>
         </p:txBody>
@@ -3971,7 +4093,7 @@
           <p:spPr>
             <a:xfrm>
               <a:off x="3197600" y="1746379"/>
-              <a:ext cx="2844048" cy="1200329"/>
+              <a:ext cx="2464136" cy="1200329"/>
             </a:xfrm>
             <a:prstGeom prst="rect">
               <a:avLst/>
@@ -4017,7 +4139,7 @@
                   </a:solidFill>
                   <a:latin typeface="Consolas" panose="020B0609020204030204" pitchFamily="49" charset="0"/>
                 </a:rPr>
-                <a:t>    long </a:t>
+                <a:t>    </a:t>
               </a:r>
               <a:r>
                 <a:rPr lang="en-US" dirty="0" err="1" smtClean="0">
@@ -4026,7 +4148,7 @@
                   </a:solidFill>
                   <a:latin typeface="Consolas" panose="020B0609020204030204" pitchFamily="49" charset="0"/>
                 </a:rPr>
-                <a:t>long</a:t>
+                <a:t>size_t</a:t>
               </a:r>
               <a:r>
                 <a:rPr lang="en-US" dirty="0" smtClean="0">
@@ -4041,7 +4163,13 @@
                 <a:rPr lang="en-US" dirty="0" smtClean="0">
                   <a:latin typeface="Consolas" panose="020B0609020204030204" pitchFamily="49" charset="0"/>
                 </a:rPr>
-                <a:t>length;</a:t>
+                <a:t>length</a:t>
+              </a:r>
+              <a:r>
+                <a:rPr lang="en-US" dirty="0" smtClean="0">
+                  <a:latin typeface="Consolas" panose="020B0609020204030204" pitchFamily="49" charset="0"/>
+                </a:rPr>
+                <a:t>;</a:t>
               </a:r>
               <a:endParaRPr lang="en-US" dirty="0">
                 <a:latin typeface="Consolas" panose="020B0609020204030204" pitchFamily="49" charset="0"/>
@@ -4193,7 +4321,7 @@
         <p:spPr>
           <a:xfrm>
             <a:off x="431800" y="900000"/>
-            <a:ext cx="4932288" cy="3456000"/>
+            <a:ext cx="6444456" cy="3456000"/>
           </a:xfrm>
         </p:spPr>
         <p:txBody>
@@ -4282,7 +4410,15 @@
             </a:pPr>
             <a:r>
               <a:rPr lang="en-US" dirty="0" smtClean="0"/>
-              <a:t>Great performance boost (nearly x30)</a:t>
+              <a:t>Great performance boost </a:t>
+            </a:r>
+            <a:r>
+              <a:rPr lang="en-US" dirty="0" smtClean="0"/>
+              <a:t>for cached version: (nearly </a:t>
+            </a:r>
+            <a:r>
+              <a:rPr lang="en-US" dirty="0" smtClean="0"/>
+              <a:t>x30)</a:t>
             </a:r>
             <a:endParaRPr lang="en-US" dirty="0"/>
           </a:p>
@@ -4466,6 +4602,33 @@
                                   </p:childTnLst>
                                 </p:cTn>
                               </p:par>
+                              <p:par>
+                                <p:cTn id="12" presetID="1" presetClass="entr" presetSubtype="0" fill="hold" grpId="0" nodeType="withEffect">
+                                  <p:stCondLst>
+                                    <p:cond delay="0"/>
+                                  </p:stCondLst>
+                                  <p:childTnLst>
+                                    <p:set>
+                                      <p:cBhvr>
+                                        <p:cTn id="13" dur="1" fill="hold">
+                                          <p:stCondLst>
+                                            <p:cond delay="0"/>
+                                          </p:stCondLst>
+                                        </p:cTn>
+                                        <p:tgtEl>
+                                          <p:spTgt spid="10"/>
+                                        </p:tgtEl>
+                                        <p:attrNameLst>
+                                          <p:attrName>style.visibility</p:attrName>
+                                        </p:attrNameLst>
+                                      </p:cBhvr>
+                                      <p:to>
+                                        <p:strVal val="visible"/>
+                                      </p:to>
+                                    </p:set>
+                                  </p:childTnLst>
+                                </p:cTn>
+                              </p:par>
                             </p:childTnLst>
                           </p:cTn>
                         </p:par>
@@ -4473,26 +4636,26 @@
                     </p:cTn>
                   </p:par>
                   <p:par>
-                    <p:cTn id="12" fill="hold">
+                    <p:cTn id="14" fill="hold">
                       <p:stCondLst>
                         <p:cond delay="indefinite"/>
                       </p:stCondLst>
                       <p:childTnLst>
                         <p:par>
-                          <p:cTn id="13" fill="hold">
+                          <p:cTn id="15" fill="hold">
                             <p:stCondLst>
                               <p:cond delay="0"/>
                             </p:stCondLst>
                             <p:childTnLst>
                               <p:par>
-                                <p:cTn id="14" presetID="10" presetClass="entr" presetSubtype="0" fill="hold" nodeType="clickEffect">
+                                <p:cTn id="16" presetID="10" presetClass="entr" presetSubtype="0" fill="hold" nodeType="clickEffect">
                                   <p:stCondLst>
                                     <p:cond delay="0"/>
                                   </p:stCondLst>
                                   <p:childTnLst>
                                     <p:set>
                                       <p:cBhvr>
-                                        <p:cTn id="15" dur="1" fill="hold">
+                                        <p:cTn id="17" dur="1" fill="hold">
                                           <p:stCondLst>
                                             <p:cond delay="0"/>
                                           </p:stCondLst>
@@ -4514,7 +4677,7 @@
                                     </p:set>
                                     <p:animEffect transition="in" filter="fade">
                                       <p:cBhvr>
-                                        <p:cTn id="16" dur="500"/>
+                                        <p:cTn id="18" dur="500"/>
                                         <p:tgtEl>
                                           <p:spTgt spid="3">
                                             <p:txEl>
@@ -4534,26 +4697,26 @@
                     </p:cTn>
                   </p:par>
                   <p:par>
-                    <p:cTn id="17" fill="hold">
+                    <p:cTn id="19" fill="hold">
                       <p:stCondLst>
                         <p:cond delay="indefinite"/>
                       </p:stCondLst>
                       <p:childTnLst>
                         <p:par>
-                          <p:cTn id="18" fill="hold">
+                          <p:cTn id="20" fill="hold">
                             <p:stCondLst>
                               <p:cond delay="0"/>
                             </p:stCondLst>
                             <p:childTnLst>
                               <p:par>
-                                <p:cTn id="19" presetID="1" presetClass="entr" presetSubtype="0" fill="hold" nodeType="clickEffect">
+                                <p:cTn id="21" presetID="1" presetClass="entr" presetSubtype="0" fill="hold" nodeType="clickEffect">
                                   <p:stCondLst>
                                     <p:cond delay="0"/>
                                   </p:stCondLst>
                                   <p:childTnLst>
                                     <p:set>
                                       <p:cBhvr>
-                                        <p:cTn id="20" dur="1" fill="hold">
+                                        <p:cTn id="22" dur="1" fill="hold">
                                           <p:stCondLst>
                                             <p:cond delay="0"/>
                                           </p:stCondLst>
@@ -4603,6 +4766,9 @@
         </p:cTn>
       </p:par>
     </p:tnLst>
+    <p:bldLst>
+      <p:bldP spid="10" grpId="0"/>
+    </p:bldLst>
   </p:timing>
 </p:sld>
 </file>
@@ -4857,7 +5023,7 @@
           <a:p>
             <a:pPr marL="828675" lvl="3" indent="-285750">
               <a:lnSpc>
-                <a:spcPct val="150000"/>
+                <a:spcPct val="200000"/>
               </a:lnSpc>
               <a:buFont typeface="Wingdings" panose="05000000000000000000" pitchFamily="2" charset="2"/>
               <a:buChar char="à"/>
@@ -4879,7 +5045,7 @@
           <a:p>
             <a:pPr marL="285750" indent="-285750">
               <a:lnSpc>
-                <a:spcPct val="150000"/>
+                <a:spcPct val="200000"/>
               </a:lnSpc>
               <a:buFont typeface="Courier New" panose="02070309020205020404" pitchFamily="49" charset="0"/>
               <a:buChar char="o"/>
@@ -4894,48 +5060,56 @@
             </a:r>
             <a:r>
               <a:rPr lang="en-US" i="1" dirty="0" smtClean="0"/>
-              <a:t>process,</a:t>
+              <a:t>process</a:t>
+            </a:r>
+            <a:r>
+              <a:rPr lang="en-US" i="1" dirty="0"/>
+              <a:t>,</a:t>
             </a:r>
           </a:p>
           <a:p>
             <a:pPr marL="828675" lvl="3" indent="-285750">
               <a:lnSpc>
-                <a:spcPct val="150000"/>
+                <a:spcPct val="200000"/>
+              </a:lnSpc>
+              <a:buFont typeface="Wingdings" panose="05000000000000000000" pitchFamily="2" charset="2"/>
+              <a:buChar char="à"/>
+            </a:pPr>
+            <a:r>
+              <a:rPr lang="en-US" i="1" dirty="0" smtClean="0">
+                <a:sym typeface="Wingdings" panose="05000000000000000000" pitchFamily="2" charset="2"/>
+              </a:rPr>
+              <a:t>devise </a:t>
+            </a:r>
+            <a:r>
+              <a:rPr lang="en-US" i="1" dirty="0">
+                <a:sym typeface="Wingdings" panose="05000000000000000000" pitchFamily="2" charset="2"/>
+              </a:rPr>
+              <a:t>a truly binary format for </a:t>
+            </a:r>
+            <a:r>
+              <a:rPr lang="en-US" i="1" dirty="0" smtClean="0">
+                <a:sym typeface="Wingdings" panose="05000000000000000000" pitchFamily="2" charset="2"/>
+              </a:rPr>
+              <a:t>MIL</a:t>
+            </a:r>
+            <a:endParaRPr lang="en-US" i="1" dirty="0" smtClean="0"/>
+          </a:p>
+          <a:p>
+            <a:pPr marL="285750" indent="-285750">
+              <a:lnSpc>
+                <a:spcPct val="200000"/>
               </a:lnSpc>
               <a:buFont typeface="Courier New" panose="02070309020205020404" pitchFamily="49" charset="0"/>
               <a:buChar char="o"/>
             </a:pPr>
             <a:r>
-              <a:rPr lang="en-US" i="1" dirty="0" smtClean="0">
-                <a:sym typeface="Wingdings" panose="05000000000000000000" pitchFamily="2" charset="2"/>
-              </a:rPr>
-              <a:t>devise </a:t>
-            </a:r>
-            <a:r>
-              <a:rPr lang="en-US" i="1" dirty="0">
-                <a:sym typeface="Wingdings" panose="05000000000000000000" pitchFamily="2" charset="2"/>
-              </a:rPr>
-              <a:t>a truly binary format for </a:t>
-            </a:r>
-            <a:r>
-              <a:rPr lang="en-US" i="1" dirty="0" smtClean="0">
-                <a:sym typeface="Wingdings" panose="05000000000000000000" pitchFamily="2" charset="2"/>
-              </a:rPr>
-              <a:t>MIL</a:t>
-            </a:r>
-            <a:endParaRPr lang="en-US" i="1" dirty="0" smtClean="0"/>
-          </a:p>
-          <a:p>
-            <a:pPr marL="285750" indent="-285750">
-              <a:lnSpc>
-                <a:spcPct val="150000"/>
-              </a:lnSpc>
-              <a:buFont typeface="Courier New" panose="02070309020205020404" pitchFamily="49" charset="0"/>
-              <a:buChar char="o"/>
-            </a:pPr>
-            <a:r>
               <a:rPr lang="en-US" i="1" dirty="0" smtClean="0"/>
-              <a:t>the parser and interpreter to be light weight. [1]</a:t>
+              <a:t>the </a:t>
+            </a:r>
+            <a:r>
+              <a:rPr lang="en-US" i="1" dirty="0" smtClean="0"/>
+              <a:t>parser and interpreter to be light weight. [1]</a:t>
             </a:r>
           </a:p>
         </p:txBody>
@@ -5534,14 +5708,14 @@
             <a:avLst/>
           </a:prstGeom>
           <a:solidFill>
-            <a:schemeClr val="accent3">
+            <a:schemeClr val="accent2">
               <a:lumMod val="20000"/>
               <a:lumOff val="80000"/>
             </a:schemeClr>
           </a:solidFill>
           <a:ln>
             <a:solidFill>
-              <a:schemeClr val="accent3">
+              <a:schemeClr val="accent2">
                 <a:lumMod val="75000"/>
               </a:schemeClr>
             </a:solidFill>
@@ -5692,14 +5866,14 @@
             <a:avLst/>
           </a:prstGeom>
           <a:solidFill>
-            <a:schemeClr val="accent2">
+            <a:schemeClr val="accent3">
               <a:lumMod val="20000"/>
               <a:lumOff val="80000"/>
             </a:schemeClr>
           </a:solidFill>
           <a:ln>
             <a:solidFill>
-              <a:schemeClr val="accent2">
+              <a:schemeClr val="accent3">
                 <a:lumMod val="75000"/>
               </a:schemeClr>
             </a:solidFill>
@@ -6490,7 +6664,7 @@
         </p:nvSpPr>
         <p:spPr>
           <a:xfrm>
-            <a:off x="7814628" y="3108918"/>
+            <a:off x="7130552" y="3108918"/>
             <a:ext cx="271847" cy="369332"/>
           </a:xfrm>
           <a:prstGeom prst="rect">
@@ -6893,7 +7067,7 @@
                                           </p:stCondLst>
                                         </p:cTn>
                                         <p:tgtEl>
-                                          <p:spTgt spid="27"/>
+                                          <p:spTgt spid="25"/>
                                         </p:tgtEl>
                                         <p:attrNameLst>
                                           <p:attrName>style.visibility</p:attrName>
@@ -6907,7 +7081,7 @@
                                       <p:cBhvr>
                                         <p:cTn id="7" dur="500"/>
                                         <p:tgtEl>
-                                          <p:spTgt spid="27"/>
+                                          <p:spTgt spid="25"/>
                                         </p:tgtEl>
                                       </p:cBhvr>
                                     </p:animEffect>
@@ -6928,7 +7102,7 @@
                                           </p:stCondLst>
                                         </p:cTn>
                                         <p:tgtEl>
-                                          <p:spTgt spid="16"/>
+                                          <p:spTgt spid="5"/>
                                         </p:tgtEl>
                                         <p:attrNameLst>
                                           <p:attrName>style.visibility</p:attrName>
@@ -6942,7 +7116,112 @@
                                       <p:cBhvr>
                                         <p:cTn id="10" dur="500"/>
                                         <p:tgtEl>
-                                          <p:spTgt spid="16"/>
+                                          <p:spTgt spid="5"/>
+                                        </p:tgtEl>
+                                      </p:cBhvr>
+                                    </p:animEffect>
+                                  </p:childTnLst>
+                                </p:cTn>
+                              </p:par>
+                              <p:par>
+                                <p:cTn id="11" presetID="10" presetClass="entr" presetSubtype="0" fill="hold" grpId="0" nodeType="withEffect">
+                                  <p:stCondLst>
+                                    <p:cond delay="0"/>
+                                  </p:stCondLst>
+                                  <p:childTnLst>
+                                    <p:set>
+                                      <p:cBhvr>
+                                        <p:cTn id="12" dur="1" fill="hold">
+                                          <p:stCondLst>
+                                            <p:cond delay="0"/>
+                                          </p:stCondLst>
+                                        </p:cTn>
+                                        <p:tgtEl>
+                                          <p:spTgt spid="18"/>
+                                        </p:tgtEl>
+                                        <p:attrNameLst>
+                                          <p:attrName>style.visibility</p:attrName>
+                                        </p:attrNameLst>
+                                      </p:cBhvr>
+                                      <p:to>
+                                        <p:strVal val="visible"/>
+                                      </p:to>
+                                    </p:set>
+                                    <p:animEffect transition="in" filter="fade">
+                                      <p:cBhvr>
+                                        <p:cTn id="13" dur="500"/>
+                                        <p:tgtEl>
+                                          <p:spTgt spid="18"/>
+                                        </p:tgtEl>
+                                      </p:cBhvr>
+                                    </p:animEffect>
+                                  </p:childTnLst>
+                                </p:cTn>
+                              </p:par>
+                              <p:par>
+                                <p:cTn id="14" presetID="10" presetClass="entr" presetSubtype="0" fill="hold" grpId="0" nodeType="withEffect">
+                                  <p:stCondLst>
+                                    <p:cond delay="0"/>
+                                  </p:stCondLst>
+                                  <p:childTnLst>
+                                    <p:set>
+                                      <p:cBhvr>
+                                        <p:cTn id="15" dur="1" fill="hold">
+                                          <p:stCondLst>
+                                            <p:cond delay="0"/>
+                                          </p:stCondLst>
+                                        </p:cTn>
+                                        <p:tgtEl>
+                                          <p:spTgt spid="19"/>
+                                        </p:tgtEl>
+                                        <p:attrNameLst>
+                                          <p:attrName>style.visibility</p:attrName>
+                                        </p:attrNameLst>
+                                      </p:cBhvr>
+                                      <p:to>
+                                        <p:strVal val="visible"/>
+                                      </p:to>
+                                    </p:set>
+                                    <p:animEffect transition="in" filter="fade">
+                                      <p:cBhvr>
+                                        <p:cTn id="16" dur="500"/>
+                                        <p:tgtEl>
+                                          <p:spTgt spid="19"/>
+                                        </p:tgtEl>
+                                      </p:cBhvr>
+                                    </p:animEffect>
+                                  </p:childTnLst>
+                                </p:cTn>
+                              </p:par>
+                              <p:par>
+                                <p:cTn id="17" presetID="10" presetClass="entr" presetSubtype="0" fill="hold" grpId="0" nodeType="withEffect">
+                                  <p:stCondLst>
+                                    <p:cond delay="0"/>
+                                  </p:stCondLst>
+                                  <p:childTnLst>
+                                    <p:set>
+                                      <p:cBhvr>
+                                        <p:cTn id="18" dur="1" fill="hold">
+                                          <p:stCondLst>
+                                            <p:cond delay="0"/>
+                                          </p:stCondLst>
+                                        </p:cTn>
+                                        <p:tgtEl>
+                                          <p:spTgt spid="7"/>
+                                        </p:tgtEl>
+                                        <p:attrNameLst>
+                                          <p:attrName>style.visibility</p:attrName>
+                                        </p:attrNameLst>
+                                      </p:cBhvr>
+                                      <p:to>
+                                        <p:strVal val="visible"/>
+                                      </p:to>
+                                    </p:set>
+                                    <p:animEffect transition="in" filter="fade">
+                                      <p:cBhvr>
+                                        <p:cTn id="19" dur="500"/>
+                                        <p:tgtEl>
+                                          <p:spTgt spid="7"/>
                                         </p:tgtEl>
                                       </p:cBhvr>
                                     </p:animEffect>
@@ -6956,96 +7235,26 @@
                     </p:cTn>
                   </p:par>
                   <p:par>
-                    <p:cTn id="11" fill="hold">
+                    <p:cTn id="20" fill="hold">
                       <p:stCondLst>
                         <p:cond delay="indefinite"/>
                       </p:stCondLst>
                       <p:childTnLst>
                         <p:par>
-                          <p:cTn id="12" fill="hold">
+                          <p:cTn id="21" fill="hold">
                             <p:stCondLst>
                               <p:cond delay="0"/>
                             </p:stCondLst>
                             <p:childTnLst>
                               <p:par>
-                                <p:cTn id="13" presetID="10" presetClass="entr" presetSubtype="0" fill="hold" grpId="0" nodeType="clickEffect">
+                                <p:cTn id="22" presetID="10" presetClass="entr" presetSubtype="0" fill="hold" grpId="0" nodeType="clickEffect">
                                   <p:stCondLst>
                                     <p:cond delay="0"/>
                                   </p:stCondLst>
                                   <p:childTnLst>
                                     <p:set>
                                       <p:cBhvr>
-                                        <p:cTn id="14" dur="1" fill="hold">
-                                          <p:stCondLst>
-                                            <p:cond delay="0"/>
-                                          </p:stCondLst>
-                                        </p:cTn>
-                                        <p:tgtEl>
-                                          <p:spTgt spid="20"/>
-                                        </p:tgtEl>
-                                        <p:attrNameLst>
-                                          <p:attrName>style.visibility</p:attrName>
-                                        </p:attrNameLst>
-                                      </p:cBhvr>
-                                      <p:to>
-                                        <p:strVal val="visible"/>
-                                      </p:to>
-                                    </p:set>
-                                    <p:animEffect transition="in" filter="fade">
-                                      <p:cBhvr>
-                                        <p:cTn id="15" dur="500"/>
-                                        <p:tgtEl>
-                                          <p:spTgt spid="20"/>
-                                        </p:tgtEl>
-                                      </p:cBhvr>
-                                    </p:animEffect>
-                                  </p:childTnLst>
-                                </p:cTn>
-                              </p:par>
-                              <p:par>
-                                <p:cTn id="16" presetID="10" presetClass="entr" presetSubtype="0" fill="hold" grpId="0" nodeType="withEffect">
-                                  <p:stCondLst>
-                                    <p:cond delay="0"/>
-                                  </p:stCondLst>
-                                  <p:childTnLst>
-                                    <p:set>
-                                      <p:cBhvr>
-                                        <p:cTn id="17" dur="1" fill="hold">
-                                          <p:stCondLst>
-                                            <p:cond delay="0"/>
-                                          </p:stCondLst>
-                                        </p:cTn>
-                                        <p:tgtEl>
-                                          <p:spTgt spid="28"/>
-                                        </p:tgtEl>
-                                        <p:attrNameLst>
-                                          <p:attrName>style.visibility</p:attrName>
-                                        </p:attrNameLst>
-                                      </p:cBhvr>
-                                      <p:to>
-                                        <p:strVal val="visible"/>
-                                      </p:to>
-                                    </p:set>
-                                    <p:animEffect transition="in" filter="fade">
-                                      <p:cBhvr>
-                                        <p:cTn id="18" dur="500"/>
-                                        <p:tgtEl>
-                                          <p:spTgt spid="28"/>
-                                        </p:tgtEl>
-                                      </p:cBhvr>
-                                    </p:animEffect>
-                                  </p:childTnLst>
-                                </p:cTn>
-                              </p:par>
-                              <p:par>
-                                <p:cTn id="19" presetID="10" presetClass="entr" presetSubtype="0" fill="hold" grpId="0" nodeType="withEffect">
-                                  <p:stCondLst>
-                                    <p:cond delay="0"/>
-                                  </p:stCondLst>
-                                  <p:childTnLst>
-                                    <p:set>
-                                      <p:cBhvr>
-                                        <p:cTn id="20" dur="1" fill="hold">
+                                        <p:cTn id="23" dur="1" fill="hold">
                                           <p:stCondLst>
                                             <p:cond delay="0"/>
                                           </p:stCondLst>
@@ -7063,44 +7272,9 @@
                                     </p:set>
                                     <p:animEffect transition="in" filter="fade">
                                       <p:cBhvr>
-                                        <p:cTn id="21" dur="500"/>
+                                        <p:cTn id="24" dur="500"/>
                                         <p:tgtEl>
                                           <p:spTgt spid="34"/>
-                                        </p:tgtEl>
-                                      </p:cBhvr>
-                                    </p:animEffect>
-                                  </p:childTnLst>
-                                </p:cTn>
-                              </p:par>
-                              <p:par>
-                                <p:cTn id="22" presetID="10" presetClass="entr" presetSubtype="0" fill="hold" grpId="0" nodeType="withEffect">
-                                  <p:stCondLst>
-                                    <p:cond delay="0"/>
-                                  </p:stCondLst>
-                                  <p:childTnLst>
-                                    <p:set>
-                                      <p:cBhvr>
-                                        <p:cTn id="23" dur="1" fill="hold">
-                                          <p:stCondLst>
-                                            <p:cond delay="0"/>
-                                          </p:stCondLst>
-                                        </p:cTn>
-                                        <p:tgtEl>
-                                          <p:spTgt spid="35"/>
-                                        </p:tgtEl>
-                                        <p:attrNameLst>
-                                          <p:attrName>style.visibility</p:attrName>
-                                        </p:attrNameLst>
-                                      </p:cBhvr>
-                                      <p:to>
-                                        <p:strVal val="visible"/>
-                                      </p:to>
-                                    </p:set>
-                                    <p:animEffect transition="in" filter="fade">
-                                      <p:cBhvr>
-                                        <p:cTn id="24" dur="500"/>
-                                        <p:tgtEl>
-                                          <p:spTgt spid="35"/>
                                         </p:tgtEl>
                                       </p:cBhvr>
                                     </p:animEffect>
@@ -7121,7 +7295,7 @@
                                           </p:stCondLst>
                                         </p:cTn>
                                         <p:tgtEl>
-                                          <p:spTgt spid="36"/>
+                                          <p:spTgt spid="35"/>
                                         </p:tgtEl>
                                         <p:attrNameLst>
                                           <p:attrName>style.visibility</p:attrName>
@@ -7135,7 +7309,7 @@
                                       <p:cBhvr>
                                         <p:cTn id="27" dur="500"/>
                                         <p:tgtEl>
-                                          <p:spTgt spid="36"/>
+                                          <p:spTgt spid="35"/>
                                         </p:tgtEl>
                                       </p:cBhvr>
                                     </p:animEffect>
@@ -7156,7 +7330,7 @@
                                           </p:stCondLst>
                                         </p:cTn>
                                         <p:tgtEl>
-                                          <p:spTgt spid="37"/>
+                                          <p:spTgt spid="36"/>
                                         </p:tgtEl>
                                         <p:attrNameLst>
                                           <p:attrName>style.visibility</p:attrName>
@@ -7170,7 +7344,7 @@
                                       <p:cBhvr>
                                         <p:cTn id="30" dur="500"/>
                                         <p:tgtEl>
-                                          <p:spTgt spid="37"/>
+                                          <p:spTgt spid="36"/>
                                         </p:tgtEl>
                                       </p:cBhvr>
                                     </p:animEffect>
@@ -7191,7 +7365,7 @@
                                           </p:stCondLst>
                                         </p:cTn>
                                         <p:tgtEl>
-                                          <p:spTgt spid="38"/>
+                                          <p:spTgt spid="37"/>
                                         </p:tgtEl>
                                         <p:attrNameLst>
                                           <p:attrName>style.visibility</p:attrName>
@@ -7205,7 +7379,7 @@
                                       <p:cBhvr>
                                         <p:cTn id="33" dur="500"/>
                                         <p:tgtEl>
-                                          <p:spTgt spid="38"/>
+                                          <p:spTgt spid="37"/>
                                         </p:tgtEl>
                                       </p:cBhvr>
                                     </p:animEffect>
@@ -7226,7 +7400,7 @@
                                           </p:stCondLst>
                                         </p:cTn>
                                         <p:tgtEl>
-                                          <p:spTgt spid="40"/>
+                                          <p:spTgt spid="38"/>
                                         </p:tgtEl>
                                         <p:attrNameLst>
                                           <p:attrName>style.visibility</p:attrName>
@@ -7240,7 +7414,7 @@
                                       <p:cBhvr>
                                         <p:cTn id="36" dur="500"/>
                                         <p:tgtEl>
-                                          <p:spTgt spid="40"/>
+                                          <p:spTgt spid="38"/>
                                         </p:tgtEl>
                                       </p:cBhvr>
                                     </p:animEffect>
@@ -7261,7 +7435,7 @@
                                           </p:stCondLst>
                                         </p:cTn>
                                         <p:tgtEl>
-                                          <p:spTgt spid="41"/>
+                                          <p:spTgt spid="40"/>
                                         </p:tgtEl>
                                         <p:attrNameLst>
                                           <p:attrName>style.visibility</p:attrName>
@@ -7275,7 +7449,7 @@
                                       <p:cBhvr>
                                         <p:cTn id="39" dur="500"/>
                                         <p:tgtEl>
-                                          <p:spTgt spid="41"/>
+                                          <p:spTgt spid="40"/>
                                         </p:tgtEl>
                                       </p:cBhvr>
                                     </p:animEffect>
@@ -7296,7 +7470,7 @@
                                           </p:stCondLst>
                                         </p:cTn>
                                         <p:tgtEl>
-                                          <p:spTgt spid="42"/>
+                                          <p:spTgt spid="41"/>
                                         </p:tgtEl>
                                         <p:attrNameLst>
                                           <p:attrName>style.visibility</p:attrName>
@@ -7310,7 +7484,7 @@
                                       <p:cBhvr>
                                         <p:cTn id="42" dur="500"/>
                                         <p:tgtEl>
-                                          <p:spTgt spid="42"/>
+                                          <p:spTgt spid="41"/>
                                         </p:tgtEl>
                                       </p:cBhvr>
                                     </p:animEffect>
@@ -7331,6 +7505,41 @@
                                           </p:stCondLst>
                                         </p:cTn>
                                         <p:tgtEl>
+                                          <p:spTgt spid="42"/>
+                                        </p:tgtEl>
+                                        <p:attrNameLst>
+                                          <p:attrName>style.visibility</p:attrName>
+                                        </p:attrNameLst>
+                                      </p:cBhvr>
+                                      <p:to>
+                                        <p:strVal val="visible"/>
+                                      </p:to>
+                                    </p:set>
+                                    <p:animEffect transition="in" filter="fade">
+                                      <p:cBhvr>
+                                        <p:cTn id="45" dur="500"/>
+                                        <p:tgtEl>
+                                          <p:spTgt spid="42"/>
+                                        </p:tgtEl>
+                                      </p:cBhvr>
+                                    </p:animEffect>
+                                  </p:childTnLst>
+                                </p:cTn>
+                              </p:par>
+                              <p:par>
+                                <p:cTn id="46" presetID="10" presetClass="entr" presetSubtype="0" fill="hold" grpId="0" nodeType="withEffect">
+                                  <p:stCondLst>
+                                    <p:cond delay="0"/>
+                                  </p:stCondLst>
+                                  <p:childTnLst>
+                                    <p:set>
+                                      <p:cBhvr>
+                                        <p:cTn id="47" dur="1" fill="hold">
+                                          <p:stCondLst>
+                                            <p:cond delay="0"/>
+                                          </p:stCondLst>
+                                        </p:cTn>
+                                        <p:tgtEl>
                                           <p:spTgt spid="43"/>
                                         </p:tgtEl>
                                         <p:attrNameLst>
@@ -7343,7 +7552,7 @@
                                     </p:set>
                                     <p:animEffect transition="in" filter="fade">
                                       <p:cBhvr>
-                                        <p:cTn id="45" dur="500"/>
+                                        <p:cTn id="48" dur="500"/>
                                         <p:tgtEl>
                                           <p:spTgt spid="43"/>
                                         </p:tgtEl>
@@ -7380,10 +7589,11 @@
       </p:par>
     </p:tnLst>
     <p:bldLst>
-      <p:bldP spid="16" grpId="0" animBg="1"/>
-      <p:bldP spid="20" grpId="0" animBg="1"/>
-      <p:bldP spid="27" grpId="0"/>
-      <p:bldP spid="28" grpId="0"/>
+      <p:bldP spid="5" grpId="0" animBg="1"/>
+      <p:bldP spid="7" grpId="0" animBg="1"/>
+      <p:bldP spid="18" grpId="0" animBg="1"/>
+      <p:bldP spid="19" grpId="0" animBg="1"/>
+      <p:bldP spid="25" grpId="0"/>
       <p:bldP spid="34" grpId="0"/>
       <p:bldP spid="35" grpId="0"/>
       <p:bldP spid="36" grpId="0"/>
@@ -7922,13 +8132,6 @@
               </a:rPr>
               <a:t>0</a:t>
             </a:r>
-            <a:endParaRPr lang="de-DE" dirty="0" smtClean="0">
-              <a:ln w="0"/>
-              <a:solidFill>
-                <a:schemeClr val="tx1"/>
-              </a:solidFill>
-              <a:latin typeface="Consolas" panose="020B0609020204030204" pitchFamily="49" charset="0"/>
-            </a:endParaRPr>
           </a:p>
         </p:txBody>
       </p:sp>
@@ -8062,13 +8265,6 @@
               </a:rPr>
               <a:t>0</a:t>
             </a:r>
-            <a:endParaRPr lang="de-DE" dirty="0" smtClean="0">
-              <a:ln w="0"/>
-              <a:solidFill>
-                <a:schemeClr val="tx1"/>
-              </a:solidFill>
-              <a:latin typeface="Consolas" panose="020B0609020204030204" pitchFamily="49" charset="0"/>
-            </a:endParaRPr>
           </a:p>
         </p:txBody>
       </p:sp>
@@ -8132,13 +8328,6 @@
               </a:rPr>
               <a:t>0</a:t>
             </a:r>
-            <a:endParaRPr lang="de-DE" dirty="0" smtClean="0">
-              <a:ln w="0"/>
-              <a:solidFill>
-                <a:schemeClr val="tx1"/>
-              </a:solidFill>
-              <a:latin typeface="Consolas" panose="020B0609020204030204" pitchFamily="49" charset="0"/>
-            </a:endParaRPr>
           </a:p>
         </p:txBody>
       </p:sp>
@@ -8202,13 +8391,6 @@
               </a:rPr>
               <a:t>0</a:t>
             </a:r>
-            <a:endParaRPr lang="de-DE" dirty="0" smtClean="0">
-              <a:ln w="0"/>
-              <a:solidFill>
-                <a:schemeClr val="tx1"/>
-              </a:solidFill>
-              <a:latin typeface="Consolas" panose="020B0609020204030204" pitchFamily="49" charset="0"/>
-            </a:endParaRPr>
           </a:p>
         </p:txBody>
       </p:sp>
@@ -9062,13 +9244,6 @@
               </a:rPr>
               <a:t>?</a:t>
             </a:r>
-            <a:endParaRPr lang="de-DE" dirty="0" smtClean="0">
-              <a:ln w="0"/>
-              <a:solidFill>
-                <a:schemeClr val="tx1"/>
-              </a:solidFill>
-              <a:latin typeface="Consolas" panose="020B0609020204030204" pitchFamily="49" charset="0"/>
-            </a:endParaRPr>
           </a:p>
         </p:txBody>
       </p:sp>
@@ -9132,13 +9307,6 @@
               </a:rPr>
               <a:t>?</a:t>
             </a:r>
-            <a:endParaRPr lang="de-DE" dirty="0" smtClean="0">
-              <a:ln w="0"/>
-              <a:solidFill>
-                <a:schemeClr val="tx1"/>
-              </a:solidFill>
-              <a:latin typeface="Consolas" panose="020B0609020204030204" pitchFamily="49" charset="0"/>
-            </a:endParaRPr>
           </a:p>
         </p:txBody>
       </p:sp>
@@ -9202,13 +9370,6 @@
               </a:rPr>
               <a:t>?</a:t>
             </a:r>
-            <a:endParaRPr lang="de-DE" dirty="0" smtClean="0">
-              <a:ln w="0"/>
-              <a:solidFill>
-                <a:schemeClr val="tx1"/>
-              </a:solidFill>
-              <a:latin typeface="Consolas" panose="020B0609020204030204" pitchFamily="49" charset="0"/>
-            </a:endParaRPr>
           </a:p>
         </p:txBody>
       </p:sp>
@@ -9400,7 +9561,6 @@
               <a:rPr lang="en-US" dirty="0" smtClean="0"/>
               <a:t>Compiling</a:t>
             </a:r>
-            <a:endParaRPr lang="en-US" dirty="0" smtClean="0"/>
           </a:p>
         </p:txBody>
       </p:sp>

--- a/Presentation/MDSD_Bittner_Embedded.pptx
+++ b/Presentation/MDSD_Bittner_Embedded.pptx
@@ -3445,15 +3445,7 @@
             </a:pPr>
             <a:r>
               <a:rPr lang="de-DE" sz="800" dirty="0" smtClean="0"/>
-              <a:t>31/01/2019 </a:t>
-            </a:r>
-            <a:r>
-              <a:rPr lang="de-DE" sz="800" dirty="0" smtClean="0"/>
-              <a:t>| </a:t>
-            </a:r>
-            <a:r>
-              <a:rPr lang="de-DE" sz="800" dirty="0" smtClean="0"/>
-              <a:t>Paul Maximilian Bittner | Lab on MDSD: MIL </a:t>
+              <a:t>31/01/2019 | Paul Maximilian Bittner | Lab on MDSD: MIL </a:t>
             </a:r>
             <a:r>
               <a:rPr lang="de-DE" sz="800" dirty="0" err="1" smtClean="0"/>
@@ -4093,7 +4085,7 @@
           <p:spPr>
             <a:xfrm>
               <a:off x="3197600" y="1746379"/>
-              <a:ext cx="2464136" cy="1200329"/>
+              <a:ext cx="2590774" cy="1200329"/>
             </a:xfrm>
             <a:prstGeom prst="rect">
               <a:avLst/>
@@ -4133,7 +4125,7 @@
             </a:p>
             <a:p>
               <a:r>
-                <a:rPr lang="en-US" dirty="0" smtClean="0">
+                <a:rPr lang="en-US" smtClean="0">
                   <a:solidFill>
                     <a:srgbClr val="0000C0"/>
                   </a:solidFill>
@@ -4142,25 +4134,16 @@
                 <a:t>    </a:t>
               </a:r>
               <a:r>
-                <a:rPr lang="en-US" dirty="0" err="1" smtClean="0">
+                <a:rPr lang="en-US" smtClean="0">
                   <a:solidFill>
                     <a:srgbClr val="0000C0"/>
                   </a:solidFill>
                   <a:latin typeface="Consolas" panose="020B0609020204030204" pitchFamily="49" charset="0"/>
                 </a:rPr>
-                <a:t>size_t</a:t>
+                <a:t>int64_t </a:t>
               </a:r>
               <a:r>
-                <a:rPr lang="en-US" dirty="0" smtClean="0">
-                  <a:solidFill>
-                    <a:srgbClr val="0000C0"/>
-                  </a:solidFill>
-                  <a:latin typeface="Consolas" panose="020B0609020204030204" pitchFamily="49" charset="0"/>
-                </a:rPr>
-                <a:t> </a:t>
-              </a:r>
-              <a:r>
-                <a:rPr lang="en-US" dirty="0" smtClean="0">
+                <a:rPr lang="en-US" smtClean="0">
                   <a:latin typeface="Consolas" panose="020B0609020204030204" pitchFamily="49" charset="0"/>
                 </a:rPr>
                 <a:t>length</a:t>
@@ -4410,15 +4393,7 @@
             </a:pPr>
             <a:r>
               <a:rPr lang="en-US" dirty="0" smtClean="0"/>
-              <a:t>Great performance boost </a:t>
-            </a:r>
-            <a:r>
-              <a:rPr lang="en-US" dirty="0" smtClean="0"/>
-              <a:t>for cached version: (nearly </a:t>
-            </a:r>
-            <a:r>
-              <a:rPr lang="en-US" dirty="0" smtClean="0"/>
-              <a:t>x30)</a:t>
+              <a:t>Great performance boost for cached version: (nearly x30)</a:t>
             </a:r>
             <a:endParaRPr lang="en-US" dirty="0"/>
           </a:p>
@@ -5105,11 +5080,7 @@
             </a:pPr>
             <a:r>
               <a:rPr lang="en-US" i="1" dirty="0" smtClean="0"/>
-              <a:t>the </a:t>
-            </a:r>
-            <a:r>
-              <a:rPr lang="en-US" i="1" dirty="0" smtClean="0"/>
-              <a:t>parser and interpreter to be light weight. [1]</a:t>
+              <a:t>the parser and interpreter to be light weight. [1]</a:t>
             </a:r>
           </a:p>
         </p:txBody>
